--- a/2、正式课/2、第二周/1、第一天/阿里的面试题最新.pptx
+++ b/2、正式课/2、第二周/1、第一天/阿里的面试题最新.pptx
@@ -289,7 +289,7 @@
             <a:fld id="{530820CF-B880-4189-942D-D702A7CBA730}" type="datetimeFigureOut">
               <a:rPr lang="zh-CN" altLang="en-US" smtClean="0"/>
               <a:pPr/>
-              <a:t>2019/11/25</a:t>
+              <a:t>2019/11/26</a:t>
             </a:fld>
             <a:endParaRPr lang="zh-CN" altLang="en-US"/>
           </a:p>
@@ -456,7 +456,7 @@
             <a:fld id="{530820CF-B880-4189-942D-D702A7CBA730}" type="datetimeFigureOut">
               <a:rPr lang="zh-CN" altLang="en-US" smtClean="0"/>
               <a:pPr/>
-              <a:t>2019/11/25</a:t>
+              <a:t>2019/11/26</a:t>
             </a:fld>
             <a:endParaRPr lang="zh-CN" altLang="en-US"/>
           </a:p>
@@ -633,7 +633,7 @@
             <a:fld id="{530820CF-B880-4189-942D-D702A7CBA730}" type="datetimeFigureOut">
               <a:rPr lang="zh-CN" altLang="en-US" smtClean="0"/>
               <a:pPr/>
-              <a:t>2019/11/25</a:t>
+              <a:t>2019/11/26</a:t>
             </a:fld>
             <a:endParaRPr lang="zh-CN" altLang="en-US"/>
           </a:p>
@@ -800,7 +800,7 @@
             <a:fld id="{530820CF-B880-4189-942D-D702A7CBA730}" type="datetimeFigureOut">
               <a:rPr lang="zh-CN" altLang="en-US" smtClean="0"/>
               <a:pPr/>
-              <a:t>2019/11/25</a:t>
+              <a:t>2019/11/26</a:t>
             </a:fld>
             <a:endParaRPr lang="zh-CN" altLang="en-US"/>
           </a:p>
@@ -1043,7 +1043,7 @@
             <a:fld id="{530820CF-B880-4189-942D-D702A7CBA730}" type="datetimeFigureOut">
               <a:rPr lang="zh-CN" altLang="en-US" smtClean="0"/>
               <a:pPr/>
-              <a:t>2019/11/25</a:t>
+              <a:t>2019/11/26</a:t>
             </a:fld>
             <a:endParaRPr lang="zh-CN" altLang="en-US"/>
           </a:p>
@@ -1328,7 +1328,7 @@
             <a:fld id="{530820CF-B880-4189-942D-D702A7CBA730}" type="datetimeFigureOut">
               <a:rPr lang="zh-CN" altLang="en-US" smtClean="0"/>
               <a:pPr/>
-              <a:t>2019/11/25</a:t>
+              <a:t>2019/11/26</a:t>
             </a:fld>
             <a:endParaRPr lang="zh-CN" altLang="en-US"/>
           </a:p>
@@ -1747,7 +1747,7 @@
             <a:fld id="{530820CF-B880-4189-942D-D702A7CBA730}" type="datetimeFigureOut">
               <a:rPr lang="zh-CN" altLang="en-US" smtClean="0"/>
               <a:pPr/>
-              <a:t>2019/11/25</a:t>
+              <a:t>2019/11/26</a:t>
             </a:fld>
             <a:endParaRPr lang="zh-CN" altLang="en-US"/>
           </a:p>
@@ -1862,7 +1862,7 @@
             <a:fld id="{530820CF-B880-4189-942D-D702A7CBA730}" type="datetimeFigureOut">
               <a:rPr lang="zh-CN" altLang="en-US" smtClean="0"/>
               <a:pPr/>
-              <a:t>2019/11/25</a:t>
+              <a:t>2019/11/26</a:t>
             </a:fld>
             <a:endParaRPr lang="zh-CN" altLang="en-US"/>
           </a:p>
@@ -1954,7 +1954,7 @@
             <a:fld id="{530820CF-B880-4189-942D-D702A7CBA730}" type="datetimeFigureOut">
               <a:rPr lang="zh-CN" altLang="en-US" smtClean="0"/>
               <a:pPr/>
-              <a:t>2019/11/25</a:t>
+              <a:t>2019/11/26</a:t>
             </a:fld>
             <a:endParaRPr lang="zh-CN" altLang="en-US"/>
           </a:p>
@@ -2228,7 +2228,7 @@
             <a:fld id="{530820CF-B880-4189-942D-D702A7CBA730}" type="datetimeFigureOut">
               <a:rPr lang="zh-CN" altLang="en-US" smtClean="0"/>
               <a:pPr/>
-              <a:t>2019/11/25</a:t>
+              <a:t>2019/11/26</a:t>
             </a:fld>
             <a:endParaRPr lang="zh-CN" altLang="en-US"/>
           </a:p>
@@ -2478,7 +2478,7 @@
             <a:fld id="{530820CF-B880-4189-942D-D702A7CBA730}" type="datetimeFigureOut">
               <a:rPr lang="zh-CN" altLang="en-US" smtClean="0"/>
               <a:pPr/>
-              <a:t>2019/11/25</a:t>
+              <a:t>2019/11/26</a:t>
             </a:fld>
             <a:endParaRPr lang="zh-CN" altLang="en-US"/>
           </a:p>
@@ -2688,7 +2688,7 @@
             <a:fld id="{530820CF-B880-4189-942D-D702A7CBA730}" type="datetimeFigureOut">
               <a:rPr lang="zh-CN" altLang="en-US" smtClean="0"/>
               <a:pPr/>
-              <a:t>2019/11/25</a:t>
+              <a:t>2019/11/26</a:t>
             </a:fld>
             <a:endParaRPr lang="zh-CN" altLang="en-US"/>
           </a:p>
@@ -3617,26 +3617,13 @@
           <a:p>
             <a:r>
               <a:rPr lang="en-US" altLang="zh-CN" sz="1200" dirty="0" smtClean="0"/>
-              <a:t>  console.log(1</a:t>
-            </a:r>
-            <a:r>
-              <a:rPr lang="en-US" altLang="zh-CN" sz="1200" dirty="0" smtClean="0"/>
-              <a:t>);};</a:t>
-            </a:r>
-            <a:endParaRPr lang="en-US" altLang="zh-CN" sz="1200" dirty="0" smtClean="0"/>
-          </a:p>
-          <a:p>
-            <a:r>
-              <a:rPr lang="en-US" altLang="zh-CN" sz="1200" dirty="0" smtClean="0"/>
-              <a:t>   </a:t>
-            </a:r>
-            <a:r>
-              <a:rPr lang="en-US" altLang="zh-CN" sz="1200" dirty="0" smtClean="0"/>
-              <a:t>return</a:t>
-            </a:r>
-            <a:r>
-              <a:rPr lang="en-US" altLang="zh-CN" sz="1200" dirty="0" smtClean="0"/>
-              <a:t> this;</a:t>
+              <a:t>  console.log(1);};</a:t>
+            </a:r>
+          </a:p>
+          <a:p>
+            <a:r>
+              <a:rPr lang="en-US" altLang="zh-CN" sz="1200" dirty="0" smtClean="0"/>
+              <a:t>   return this;</a:t>
             </a:r>
           </a:p>
           <a:p>
@@ -3775,7 +3762,7 @@
         </p:nvSpPr>
         <p:spPr>
           <a:xfrm>
-            <a:off x="7705031" y="1512243"/>
+            <a:off x="8425111" y="1512243"/>
             <a:ext cx="1584176" cy="1080120"/>
           </a:xfrm>
           <a:prstGeom prst="roundRect">
@@ -3823,7 +3810,7 @@
         </p:nvSpPr>
         <p:spPr>
           <a:xfrm>
-            <a:off x="8065071" y="1224211"/>
+            <a:off x="8785151" y="1224211"/>
             <a:ext cx="955711" cy="276999"/>
           </a:xfrm>
           <a:prstGeom prst="rect">
@@ -3857,7 +3844,7 @@
         </p:nvCxnSpPr>
         <p:spPr>
           <a:xfrm>
-            <a:off x="7705031" y="1800275"/>
+            <a:off x="8425111" y="1800275"/>
             <a:ext cx="1584176" cy="0"/>
           </a:xfrm>
           <a:prstGeom prst="line">
@@ -3887,7 +3874,7 @@
         </p:nvSpPr>
         <p:spPr>
           <a:xfrm>
-            <a:off x="8065071" y="1512243"/>
+            <a:off x="8785151" y="1512243"/>
             <a:ext cx="904735" cy="276999"/>
           </a:xfrm>
           <a:prstGeom prst="rect">
@@ -3918,7 +3905,7 @@
         <p:spPr>
           <a:xfrm>
             <a:off x="6912943" y="2448347"/>
-            <a:ext cx="720080" cy="0"/>
+            <a:ext cx="1440160" cy="0"/>
           </a:xfrm>
           <a:prstGeom prst="straightConnector1">
             <a:avLst/>
@@ -3956,13 +3943,15 @@
       <p:cxnSp>
         <p:nvCxnSpPr>
           <p:cNvPr id="35" name="直接箭头连接符 34"/>
-          <p:cNvCxnSpPr/>
+          <p:cNvCxnSpPr>
+            <a:stCxn id="31" idx="1"/>
+          </p:cNvCxnSpPr>
           <p:nvPr/>
         </p:nvCxnSpPr>
         <p:spPr>
           <a:xfrm flipH="1">
-            <a:off x="7344991" y="1656259"/>
-            <a:ext cx="720080" cy="0"/>
+            <a:off x="7344991" y="1650743"/>
+            <a:ext cx="1440160" cy="5516"/>
           </a:xfrm>
           <a:prstGeom prst="straightConnector1">
             <a:avLst/>
@@ -4228,61 +4217,13 @@
           <a:p>
             <a:r>
               <a:rPr lang="en-US" altLang="zh-CN" sz="1200" dirty="0" smtClean="0"/>
-              <a:t> Foo.getName = function () </a:t>
-            </a:r>
-            <a:r>
-              <a:rPr lang="en-US" altLang="zh-CN" sz="1200" dirty="0" smtClean="0"/>
-              <a:t>{</a:t>
-            </a:r>
-            <a:r>
-              <a:rPr lang="en-US" altLang="zh-CN" sz="1200" dirty="0" smtClean="0"/>
-              <a:t> console.log(2</a:t>
-            </a:r>
-            <a:r>
-              <a:rPr lang="en-US" altLang="zh-CN" sz="1200" dirty="0" smtClean="0"/>
-              <a:t>); </a:t>
-            </a:r>
-            <a:r>
-              <a:rPr lang="en-US" altLang="zh-CN" sz="1200" dirty="0" smtClean="0"/>
-              <a:t> </a:t>
-            </a:r>
-            <a:r>
-              <a:rPr lang="en-US" altLang="zh-CN" sz="1200" dirty="0" smtClean="0"/>
-              <a:t>};</a:t>
-            </a:r>
-          </a:p>
-          <a:p>
-            <a:r>
-              <a:rPr lang="en-US" altLang="zh-CN" sz="1200" dirty="0" smtClean="0"/>
-              <a:t> </a:t>
-            </a:r>
-            <a:r>
-              <a:rPr lang="en-US" altLang="zh-CN" sz="1200" dirty="0" smtClean="0"/>
-              <a:t>Foo.prototype.getName</a:t>
-            </a:r>
-            <a:r>
-              <a:rPr lang="en-US" altLang="zh-CN" sz="1200" dirty="0" smtClean="0"/>
-              <a:t> = function () </a:t>
-            </a:r>
-            <a:r>
-              <a:rPr lang="en-US" altLang="zh-CN" sz="1200" dirty="0" smtClean="0"/>
-              <a:t>{</a:t>
-            </a:r>
-            <a:r>
-              <a:rPr lang="en-US" altLang="zh-CN" sz="1200" dirty="0" smtClean="0"/>
-              <a:t> console.log(3</a:t>
-            </a:r>
-            <a:r>
-              <a:rPr lang="en-US" altLang="zh-CN" sz="1200" dirty="0" smtClean="0"/>
-              <a:t>); </a:t>
-            </a:r>
-            <a:r>
-              <a:rPr lang="en-US" altLang="zh-CN" sz="1200" dirty="0" smtClean="0"/>
-              <a:t> </a:t>
-            </a:r>
-            <a:r>
-              <a:rPr lang="en-US" altLang="zh-CN" sz="1200" dirty="0" smtClean="0"/>
-              <a:t>};</a:t>
+              <a:t> Foo.getName = function () { console.log(2);  };</a:t>
+            </a:r>
+          </a:p>
+          <a:p>
+            <a:r>
+              <a:rPr lang="en-US" altLang="zh-CN" sz="1200" dirty="0" smtClean="0"/>
+              <a:t> Foo.prototype.getName = function () { console.log(3);  };</a:t>
             </a:r>
           </a:p>
           <a:p>
@@ -4294,77 +4235,37 @@
           <a:p>
             <a:r>
               <a:rPr lang="en-US" altLang="zh-CN" sz="1200" dirty="0" smtClean="0"/>
-              <a:t>       console.log(4</a:t>
-            </a:r>
-            <a:r>
-              <a:rPr lang="en-US" altLang="zh-CN" sz="1200" dirty="0" smtClean="0"/>
-              <a:t>); </a:t>
-            </a:r>
-            <a:r>
-              <a:rPr lang="en-US" altLang="zh-CN" sz="1200" dirty="0" smtClean="0"/>
-              <a:t> </a:t>
-            </a:r>
-            <a:r>
-              <a:rPr lang="en-US" altLang="zh-CN" sz="1200" dirty="0" smtClean="0"/>
-              <a:t>};</a:t>
-            </a:r>
-          </a:p>
-          <a:p>
-            <a:r>
-              <a:rPr lang="en-US" altLang="zh-CN" sz="1200" dirty="0" smtClean="0"/>
-              <a:t> function getName() </a:t>
-            </a:r>
-            <a:r>
-              <a:rPr lang="en-US" altLang="zh-CN" sz="1200" dirty="0" smtClean="0"/>
-              <a:t>{…</a:t>
-            </a:r>
-            <a:r>
-              <a:rPr lang="en-US" altLang="zh-CN" sz="1200" dirty="0" smtClean="0"/>
-              <a:t> </a:t>
-            </a:r>
-            <a:r>
-              <a:rPr lang="en-US" altLang="zh-CN" sz="1200" dirty="0" smtClean="0"/>
-              <a:t>}</a:t>
-            </a:r>
-          </a:p>
-          <a:p>
-            <a:r>
-              <a:rPr lang="en-US" altLang="zh-CN" sz="1200" dirty="0" smtClean="0"/>
-              <a:t>Foo.getName</a:t>
-            </a:r>
-            <a:r>
-              <a:rPr lang="en-US" altLang="zh-CN" sz="1200" dirty="0" smtClean="0"/>
-              <a:t>();</a:t>
-            </a:r>
-          </a:p>
-          <a:p>
-            <a:r>
-              <a:rPr lang="en-US" altLang="zh-CN" sz="1200" dirty="0" smtClean="0"/>
-              <a:t>getName</a:t>
-            </a:r>
-            <a:r>
-              <a:rPr lang="en-US" altLang="zh-CN" sz="1200" dirty="0" smtClean="0"/>
-              <a:t>();</a:t>
-            </a:r>
-          </a:p>
-          <a:p>
-            <a:r>
-              <a:rPr lang="en-US" altLang="zh-CN" sz="1200" dirty="0" smtClean="0"/>
-              <a:t>Foo().getName</a:t>
-            </a:r>
-            <a:r>
-              <a:rPr lang="en-US" altLang="zh-CN" sz="1200" dirty="0" smtClean="0"/>
-              <a:t>(); // window.getName()</a:t>
-            </a:r>
-          </a:p>
-          <a:p>
-            <a:r>
-              <a:rPr lang="en-US" altLang="zh-CN" sz="1200" dirty="0" smtClean="0"/>
-              <a:t> getName</a:t>
-            </a:r>
-            <a:r>
-              <a:rPr lang="en-US" altLang="zh-CN" sz="1200" dirty="0" smtClean="0"/>
-              <a:t>();</a:t>
+              <a:t>       console.log(4);  };</a:t>
+            </a:r>
+          </a:p>
+          <a:p>
+            <a:r>
+              <a:rPr lang="en-US" altLang="zh-CN" sz="1200" dirty="0" smtClean="0"/>
+              <a:t> function getName() {… }</a:t>
+            </a:r>
+          </a:p>
+          <a:p>
+            <a:r>
+              <a:rPr lang="en-US" altLang="zh-CN" sz="1200" dirty="0" smtClean="0"/>
+              <a:t>Foo.getName();</a:t>
+            </a:r>
+          </a:p>
+          <a:p>
+            <a:r>
+              <a:rPr lang="en-US" altLang="zh-CN" sz="1200" dirty="0" smtClean="0"/>
+              <a:t>getName();</a:t>
+            </a:r>
+          </a:p>
+          <a:p>
+            <a:r>
+              <a:rPr lang="en-US" altLang="zh-CN" sz="1200" dirty="0" smtClean="0"/>
+              <a:t>Foo().getName(); // window.getName()</a:t>
+            </a:r>
+          </a:p>
+          <a:p>
+            <a:r>
+              <a:rPr lang="en-US" altLang="zh-CN" sz="1200" dirty="0" smtClean="0"/>
+              <a:t> getName();</a:t>
             </a:r>
           </a:p>
           <a:p>
@@ -4596,7 +4497,7 @@
         </p:nvCxnSpPr>
         <p:spPr>
           <a:xfrm>
-            <a:off x="7705031" y="2052303"/>
+            <a:off x="8425111" y="2052303"/>
             <a:ext cx="1584176" cy="0"/>
           </a:xfrm>
           <a:prstGeom prst="line">
@@ -4626,7 +4527,7 @@
         </p:nvSpPr>
         <p:spPr>
           <a:xfrm>
-            <a:off x="7921055" y="1800275"/>
+            <a:off x="8641135" y="1800275"/>
             <a:ext cx="1107483" cy="276999"/>
           </a:xfrm>
           <a:prstGeom prst="rect">
@@ -5060,7 +4961,7 @@
         </p:nvSpPr>
         <p:spPr>
           <a:xfrm>
-            <a:off x="9577239" y="1080195"/>
+            <a:off x="10657359" y="1080195"/>
             <a:ext cx="1728192" cy="2448272"/>
           </a:xfrm>
           <a:prstGeom prst="rect">
@@ -5108,7 +5009,7 @@
         </p:nvSpPr>
         <p:spPr>
           <a:xfrm>
-            <a:off x="9721255" y="648147"/>
+            <a:off x="10801375" y="648147"/>
             <a:ext cx="1506182" cy="461665"/>
           </a:xfrm>
           <a:prstGeom prst="rect">
@@ -5124,19 +5025,11 @@
           <a:p>
             <a:r>
               <a:rPr lang="en-US" altLang="zh-CN" sz="1200" dirty="0" smtClean="0"/>
-              <a:t>Foo.getName</a:t>
-            </a:r>
-            <a:r>
-              <a:rPr lang="en-US" altLang="zh-CN" sz="1200" dirty="0" smtClean="0"/>
-              <a:t>(); </a:t>
-            </a:r>
-            <a:r>
-              <a:rPr lang="zh-CN" altLang="en-US" sz="1200" dirty="0" smtClean="0"/>
-              <a:t>执</a:t>
-            </a:r>
-            <a:r>
-              <a:rPr lang="zh-CN" altLang="en-US" sz="1200" dirty="0" smtClean="0"/>
-              <a:t>行</a:t>
+              <a:t>Foo.getName(); </a:t>
+            </a:r>
+            <a:r>
+              <a:rPr lang="zh-CN" altLang="en-US" sz="1200" dirty="0" smtClean="0"/>
+              <a:t>执行</a:t>
             </a:r>
             <a:endParaRPr lang="en-US" altLang="zh-CN" sz="1200" dirty="0" smtClean="0"/>
           </a:p>
@@ -5161,7 +5054,7 @@
         </p:nvCxnSpPr>
         <p:spPr>
           <a:xfrm>
-            <a:off x="9577239" y="1656259"/>
+            <a:off x="10657359" y="1656259"/>
             <a:ext cx="1728192" cy="0"/>
           </a:xfrm>
           <a:prstGeom prst="line">
@@ -5191,7 +5084,7 @@
         </p:nvCxnSpPr>
         <p:spPr>
           <a:xfrm>
-            <a:off x="10441335" y="1080195"/>
+            <a:off x="11521455" y="1080195"/>
             <a:ext cx="0" cy="576064"/>
           </a:xfrm>
           <a:prstGeom prst="line">
@@ -5221,7 +5114,7 @@
         </p:nvSpPr>
         <p:spPr>
           <a:xfrm>
-            <a:off x="9577239" y="1656259"/>
+            <a:off x="10657359" y="1656259"/>
             <a:ext cx="1728192" cy="646331"/>
           </a:xfrm>
           <a:prstGeom prst="rect">
@@ -5245,11 +5138,7 @@
             </a:r>
             <a:r>
               <a:rPr lang="zh-CN" altLang="en-US" sz="1200" dirty="0" smtClean="0"/>
-              <a:t>形参赋</a:t>
-            </a:r>
-            <a:r>
-              <a:rPr lang="zh-CN" altLang="en-US" sz="1200" dirty="0" smtClean="0"/>
-              <a:t>值</a:t>
+              <a:t>形参赋值</a:t>
             </a:r>
             <a:r>
               <a:rPr lang="en-US" altLang="zh-CN" sz="1200" dirty="0" smtClean="0"/>
@@ -5287,7 +5176,7 @@
         </p:nvSpPr>
         <p:spPr>
           <a:xfrm>
-            <a:off x="9721255" y="2304331"/>
+            <a:off x="10801375" y="2304331"/>
             <a:ext cx="1512168" cy="1015663"/>
           </a:xfrm>
           <a:prstGeom prst="rect">
@@ -5346,15 +5235,7 @@
                   <a:srgbClr val="FF0000"/>
                 </a:solidFill>
               </a:rPr>
-              <a:t>作用</a:t>
-            </a:r>
-            <a:r>
-              <a:rPr lang="zh-CN" altLang="en-US" sz="1600" b="1" dirty="0" smtClean="0">
-                <a:solidFill>
-                  <a:srgbClr val="FF0000"/>
-                </a:solidFill>
-              </a:rPr>
-              <a:t>域销毁</a:t>
+              <a:t>作用域销毁</a:t>
             </a:r>
             <a:endParaRPr lang="zh-CN" altLang="en-US" sz="1600" b="1" dirty="0">
               <a:solidFill>
@@ -5372,7 +5253,7 @@
         </p:nvSpPr>
         <p:spPr>
           <a:xfrm>
-            <a:off x="11449447" y="1080195"/>
+            <a:off x="12529567" y="1080195"/>
             <a:ext cx="1728192" cy="2448272"/>
           </a:xfrm>
           <a:prstGeom prst="rect">
@@ -5420,7 +5301,7 @@
         </p:nvSpPr>
         <p:spPr>
           <a:xfrm>
-            <a:off x="11593463" y="648147"/>
+            <a:off x="12673583" y="648147"/>
             <a:ext cx="1234120" cy="461665"/>
           </a:xfrm>
           <a:prstGeom prst="rect">
@@ -5440,11 +5321,7 @@
             </a:r>
             <a:r>
               <a:rPr lang="zh-CN" altLang="en-US" sz="1200" dirty="0" smtClean="0"/>
-              <a:t>执</a:t>
-            </a:r>
-            <a:r>
-              <a:rPr lang="zh-CN" altLang="en-US" sz="1200" dirty="0" smtClean="0"/>
-              <a:t>行</a:t>
+              <a:t>执行</a:t>
             </a:r>
             <a:endParaRPr lang="en-US" altLang="zh-CN" sz="1200" dirty="0" smtClean="0"/>
           </a:p>
@@ -5469,7 +5346,7 @@
         </p:nvCxnSpPr>
         <p:spPr>
           <a:xfrm>
-            <a:off x="11449447" y="1656259"/>
+            <a:off x="12529567" y="1656259"/>
             <a:ext cx="1728192" cy="0"/>
           </a:xfrm>
           <a:prstGeom prst="line">
@@ -5499,7 +5376,7 @@
         </p:nvCxnSpPr>
         <p:spPr>
           <a:xfrm>
-            <a:off x="12313543" y="1080195"/>
+            <a:off x="13393663" y="1080195"/>
             <a:ext cx="0" cy="576064"/>
           </a:xfrm>
           <a:prstGeom prst="line">
@@ -5529,7 +5406,7 @@
         </p:nvSpPr>
         <p:spPr>
           <a:xfrm>
-            <a:off x="11449447" y="1656259"/>
+            <a:off x="12529567" y="1656259"/>
             <a:ext cx="1728192" cy="646331"/>
           </a:xfrm>
           <a:prstGeom prst="rect">
@@ -5553,11 +5430,7 @@
             </a:r>
             <a:r>
               <a:rPr lang="zh-CN" altLang="en-US" sz="1200" dirty="0" smtClean="0"/>
-              <a:t>形参赋</a:t>
-            </a:r>
-            <a:r>
-              <a:rPr lang="zh-CN" altLang="en-US" sz="1200" dirty="0" smtClean="0"/>
-              <a:t>值</a:t>
+              <a:t>形参赋值</a:t>
             </a:r>
             <a:r>
               <a:rPr lang="en-US" altLang="zh-CN" sz="1200" dirty="0" smtClean="0"/>
@@ -5595,7 +5468,7 @@
         </p:nvSpPr>
         <p:spPr>
           <a:xfrm>
-            <a:off x="11593463" y="2304331"/>
+            <a:off x="12673583" y="2304331"/>
             <a:ext cx="1512168" cy="1015663"/>
           </a:xfrm>
           <a:prstGeom prst="rect">
@@ -5654,15 +5527,7 @@
                   <a:srgbClr val="FF0000"/>
                 </a:solidFill>
               </a:rPr>
-              <a:t>作用</a:t>
-            </a:r>
-            <a:r>
-              <a:rPr lang="zh-CN" altLang="en-US" sz="1600" b="1" dirty="0" smtClean="0">
-                <a:solidFill>
-                  <a:srgbClr val="FF0000"/>
-                </a:solidFill>
-              </a:rPr>
-              <a:t>域销毁</a:t>
+              <a:t>作用域销毁</a:t>
             </a:r>
             <a:endParaRPr lang="zh-CN" altLang="en-US" sz="1600" b="1" dirty="0">
               <a:solidFill>
@@ -5680,7 +5545,7 @@
         </p:nvSpPr>
         <p:spPr>
           <a:xfrm>
-            <a:off x="9577239" y="4104531"/>
+            <a:off x="10657359" y="4104531"/>
             <a:ext cx="1728192" cy="2448272"/>
           </a:xfrm>
           <a:prstGeom prst="rect">
@@ -5728,7 +5593,7 @@
         </p:nvSpPr>
         <p:spPr>
           <a:xfrm>
-            <a:off x="9649247" y="3672483"/>
+            <a:off x="10729367" y="3672483"/>
             <a:ext cx="1725152" cy="461665"/>
           </a:xfrm>
           <a:prstGeom prst="rect">
@@ -5773,7 +5638,7 @@
         </p:nvCxnSpPr>
         <p:spPr>
           <a:xfrm>
-            <a:off x="9577239" y="4680595"/>
+            <a:off x="10657359" y="4680595"/>
             <a:ext cx="1728192" cy="0"/>
           </a:xfrm>
           <a:prstGeom prst="line">
@@ -5803,7 +5668,7 @@
         </p:nvCxnSpPr>
         <p:spPr>
           <a:xfrm>
-            <a:off x="10441335" y="4104531"/>
+            <a:off x="11521455" y="4104531"/>
             <a:ext cx="0" cy="576064"/>
           </a:xfrm>
           <a:prstGeom prst="line">
@@ -5833,7 +5698,7 @@
         </p:nvSpPr>
         <p:spPr>
           <a:xfrm>
-            <a:off x="9577239" y="4680595"/>
+            <a:off x="10657359" y="4680595"/>
             <a:ext cx="1728192" cy="646331"/>
           </a:xfrm>
           <a:prstGeom prst="rect">
@@ -5857,11 +5722,7 @@
             </a:r>
             <a:r>
               <a:rPr lang="zh-CN" altLang="en-US" sz="1200" dirty="0" smtClean="0"/>
-              <a:t>形参赋</a:t>
-            </a:r>
-            <a:r>
-              <a:rPr lang="zh-CN" altLang="en-US" sz="1200" dirty="0" smtClean="0"/>
-              <a:t>值</a:t>
+              <a:t>形参赋值</a:t>
             </a:r>
             <a:r>
               <a:rPr lang="en-US" altLang="zh-CN" sz="1200" dirty="0" smtClean="0"/>
@@ -5899,7 +5760,7 @@
         </p:nvSpPr>
         <p:spPr>
           <a:xfrm>
-            <a:off x="9649247" y="5256659"/>
+            <a:off x="10729367" y="5256659"/>
             <a:ext cx="1584176" cy="1446550"/>
           </a:xfrm>
           <a:prstGeom prst="rect">
@@ -5927,21 +5788,21 @@
           <a:p>
             <a:r>
               <a:rPr lang="en-US" altLang="zh-CN" sz="1200" dirty="0" smtClean="0"/>
-              <a:t>   return this</a:t>
-            </a:r>
-            <a:r>
-              <a:rPr lang="en-US" altLang="zh-CN" sz="1200" dirty="0" smtClean="0"/>
-              <a:t>;</a:t>
-            </a:r>
-          </a:p>
-          <a:p>
-            <a:r>
-              <a:rPr lang="en-US" altLang="zh-CN" sz="1200" dirty="0" smtClean="0"/>
-              <a:t> </a:t>
-            </a:r>
-            <a:r>
-              <a:rPr lang="en-US" altLang="zh-CN" sz="1200" dirty="0" smtClean="0"/>
-              <a:t>// rturn window</a:t>
+              <a:t>   return this;</a:t>
+            </a:r>
+          </a:p>
+          <a:p>
+            <a:r>
+              <a:rPr lang="en-US" altLang="zh-CN" sz="1200" dirty="0" smtClean="0"/>
+              <a:t> // </a:t>
+            </a:r>
+            <a:r>
+              <a:rPr lang="en-US" altLang="zh-CN" sz="1200" dirty="0" smtClean="0"/>
+              <a:t>return </a:t>
+            </a:r>
+            <a:r>
+              <a:rPr lang="en-US" altLang="zh-CN" sz="1200" dirty="0" smtClean="0"/>
+              <a:t>window</a:t>
             </a:r>
           </a:p>
           <a:p>
@@ -5951,15 +5812,7 @@
                   <a:srgbClr val="FF0000"/>
                 </a:solidFill>
               </a:rPr>
-              <a:t>      不</a:t>
-            </a:r>
-            <a:r>
-              <a:rPr lang="zh-CN" altLang="en-US" sz="1600" b="1" dirty="0" smtClean="0">
-                <a:solidFill>
-                  <a:srgbClr val="FF0000"/>
-                </a:solidFill>
-              </a:rPr>
-              <a:t>销毁</a:t>
+              <a:t>      不销毁</a:t>
             </a:r>
             <a:endParaRPr lang="en-US" altLang="zh-CN" sz="1600" b="1" dirty="0" smtClean="0">
               <a:solidFill>
@@ -6118,7 +5971,7 @@
         </p:nvSpPr>
         <p:spPr>
           <a:xfrm>
-            <a:off x="11449447" y="4104531"/>
+            <a:off x="12529567" y="4104531"/>
             <a:ext cx="1728192" cy="2448272"/>
           </a:xfrm>
           <a:prstGeom prst="rect">
@@ -6166,7 +6019,7 @@
         </p:nvSpPr>
         <p:spPr>
           <a:xfrm>
-            <a:off x="11377439" y="3672483"/>
+            <a:off x="12457559" y="3672483"/>
             <a:ext cx="1781578" cy="461665"/>
           </a:xfrm>
           <a:prstGeom prst="rect">
@@ -6211,7 +6064,7 @@
         </p:nvCxnSpPr>
         <p:spPr>
           <a:xfrm>
-            <a:off x="11449447" y="4680595"/>
+            <a:off x="12529567" y="4680595"/>
             <a:ext cx="1728192" cy="0"/>
           </a:xfrm>
           <a:prstGeom prst="line">
@@ -6241,7 +6094,7 @@
         </p:nvCxnSpPr>
         <p:spPr>
           <a:xfrm>
-            <a:off x="12313543" y="4104531"/>
+            <a:off x="13393663" y="4104531"/>
             <a:ext cx="0" cy="576064"/>
           </a:xfrm>
           <a:prstGeom prst="line">
@@ -6271,7 +6124,7 @@
         </p:nvSpPr>
         <p:spPr>
           <a:xfrm>
-            <a:off x="11449447" y="4680595"/>
+            <a:off x="12529567" y="4680595"/>
             <a:ext cx="1728192" cy="646331"/>
           </a:xfrm>
           <a:prstGeom prst="rect">
@@ -6295,11 +6148,7 @@
             </a:r>
             <a:r>
               <a:rPr lang="zh-CN" altLang="en-US" sz="1200" dirty="0" smtClean="0"/>
-              <a:t>形参赋</a:t>
-            </a:r>
-            <a:r>
-              <a:rPr lang="zh-CN" altLang="en-US" sz="1200" dirty="0" smtClean="0"/>
-              <a:t>值</a:t>
+              <a:t>形参赋值</a:t>
             </a:r>
             <a:r>
               <a:rPr lang="en-US" altLang="zh-CN" sz="1200" dirty="0" smtClean="0"/>
@@ -6337,7 +6186,7 @@
         </p:nvSpPr>
         <p:spPr>
           <a:xfrm>
-            <a:off x="11737479" y="5400675"/>
+            <a:off x="12817599" y="5400675"/>
             <a:ext cx="1465466" cy="1015663"/>
           </a:xfrm>
           <a:prstGeom prst="rect">
@@ -6414,7 +6263,7 @@
         </p:nvSpPr>
         <p:spPr>
           <a:xfrm>
-            <a:off x="9577239" y="7056859"/>
+            <a:off x="10657359" y="7056859"/>
             <a:ext cx="1728192" cy="2448272"/>
           </a:xfrm>
           <a:prstGeom prst="rect">
@@ -6462,7 +6311,7 @@
         </p:nvCxnSpPr>
         <p:spPr>
           <a:xfrm>
-            <a:off x="9577239" y="7632923"/>
+            <a:off x="10657359" y="7632923"/>
             <a:ext cx="1728192" cy="0"/>
           </a:xfrm>
           <a:prstGeom prst="line">
@@ -6492,7 +6341,7 @@
         </p:nvCxnSpPr>
         <p:spPr>
           <a:xfrm>
-            <a:off x="10441335" y="7056859"/>
+            <a:off x="11521455" y="7056859"/>
             <a:ext cx="0" cy="576064"/>
           </a:xfrm>
           <a:prstGeom prst="line">
@@ -6522,7 +6371,7 @@
         </p:nvSpPr>
         <p:spPr>
           <a:xfrm>
-            <a:off x="9577239" y="7632923"/>
+            <a:off x="10657359" y="7632923"/>
             <a:ext cx="1728192" cy="646331"/>
           </a:xfrm>
           <a:prstGeom prst="rect">
@@ -6546,11 +6395,7 @@
             </a:r>
             <a:r>
               <a:rPr lang="zh-CN" altLang="en-US" sz="1200" dirty="0" smtClean="0"/>
-              <a:t>形参赋</a:t>
-            </a:r>
-            <a:r>
-              <a:rPr lang="zh-CN" altLang="en-US" sz="1200" dirty="0" smtClean="0"/>
-              <a:t>值</a:t>
+              <a:t>形参赋值</a:t>
             </a:r>
             <a:r>
               <a:rPr lang="en-US" altLang="zh-CN" sz="1200" dirty="0" smtClean="0"/>
@@ -6588,7 +6433,7 @@
         </p:nvSpPr>
         <p:spPr>
           <a:xfrm>
-            <a:off x="9865271" y="8353003"/>
+            <a:off x="10945391" y="8353003"/>
             <a:ext cx="1465466" cy="1015663"/>
           </a:xfrm>
           <a:prstGeom prst="rect">
@@ -6665,7 +6510,7 @@
         </p:nvSpPr>
         <p:spPr>
           <a:xfrm>
-            <a:off x="9577239" y="6624811"/>
+            <a:off x="10657359" y="6624811"/>
             <a:ext cx="1725152" cy="461665"/>
           </a:xfrm>
           <a:prstGeom prst="rect">
@@ -6710,7 +6555,7 @@
         </p:nvSpPr>
         <p:spPr>
           <a:xfrm>
-            <a:off x="13609687" y="648147"/>
+            <a:off x="14689807" y="648147"/>
             <a:ext cx="2072042" cy="646331"/>
           </a:xfrm>
           <a:prstGeom prst="rect">
@@ -6726,11 +6571,7 @@
           <a:p>
             <a:r>
               <a:rPr lang="en-US" altLang="zh-CN" sz="1200" dirty="0" smtClean="0"/>
-              <a:t>new Foo.getName</a:t>
-            </a:r>
-            <a:r>
-              <a:rPr lang="en-US" altLang="zh-CN" sz="1200" dirty="0" smtClean="0"/>
-              <a:t>();</a:t>
+              <a:t>new Foo.getName();</a:t>
             </a:r>
           </a:p>
           <a:p>
@@ -6750,11 +6591,7 @@
           <a:p>
             <a:r>
               <a:rPr lang="en-US" altLang="zh-CN" sz="1200" dirty="0" smtClean="0"/>
-              <a:t>n</a:t>
-            </a:r>
-            <a:r>
-              <a:rPr lang="en-US" altLang="zh-CN" sz="1200" dirty="0" smtClean="0"/>
-              <a:t>ew AF2()   </a:t>
+              <a:t>new AF2()   </a:t>
             </a:r>
             <a:r>
               <a:rPr lang="zh-CN" altLang="en-US" sz="1200" dirty="0" smtClean="0"/>
@@ -6772,7 +6609,7 @@
         </p:nvSpPr>
         <p:spPr>
           <a:xfrm>
-            <a:off x="13753703" y="1296219"/>
+            <a:off x="14833823" y="1296219"/>
             <a:ext cx="1728192" cy="3240360"/>
           </a:xfrm>
           <a:prstGeom prst="rect">
@@ -6820,7 +6657,7 @@
         </p:nvCxnSpPr>
         <p:spPr>
           <a:xfrm>
-            <a:off x="13753703" y="1872283"/>
+            <a:off x="14833823" y="1872283"/>
             <a:ext cx="1728192" cy="0"/>
           </a:xfrm>
           <a:prstGeom prst="line">
@@ -6855,7 +6692,7 @@
         </p:nvCxnSpPr>
         <p:spPr>
           <a:xfrm>
-            <a:off x="14617799" y="1296219"/>
+            <a:off x="15697919" y="1296219"/>
             <a:ext cx="0" cy="576064"/>
           </a:xfrm>
           <a:prstGeom prst="line">
@@ -6890,7 +6727,7 @@
         </p:nvSpPr>
         <p:spPr>
           <a:xfrm>
-            <a:off x="13753703" y="1872283"/>
+            <a:off x="14833823" y="1872283"/>
             <a:ext cx="1728192" cy="1200329"/>
           </a:xfrm>
           <a:prstGeom prst="rect">
@@ -6919,11 +6756,7 @@
             </a:r>
             <a:r>
               <a:rPr lang="zh-CN" altLang="en-US" sz="1200" dirty="0" smtClean="0"/>
-              <a:t>形参赋</a:t>
-            </a:r>
-            <a:r>
-              <a:rPr lang="zh-CN" altLang="en-US" sz="1200" dirty="0" smtClean="0"/>
-              <a:t>值</a:t>
+              <a:t>形参赋值</a:t>
             </a:r>
             <a:r>
               <a:rPr lang="en-US" altLang="zh-CN" sz="1200" dirty="0" smtClean="0"/>
@@ -6993,7 +6826,7 @@
         </p:nvSpPr>
         <p:spPr>
           <a:xfrm>
-            <a:off x="14041735" y="3312443"/>
+            <a:off x="15121855" y="3312443"/>
             <a:ext cx="1418978" cy="769441"/>
           </a:xfrm>
           <a:prstGeom prst="rect">
@@ -7063,7 +6896,7 @@
         </p:nvSpPr>
         <p:spPr>
           <a:xfrm>
-            <a:off x="15625911" y="3456459"/>
+            <a:off x="16706031" y="3456459"/>
             <a:ext cx="1368152" cy="1080120"/>
           </a:xfrm>
           <a:prstGeom prst="roundRect">
@@ -7106,7 +6939,7 @@
         </p:nvSpPr>
         <p:spPr>
           <a:xfrm>
-            <a:off x="15841935" y="3168427"/>
+            <a:off x="16922055" y="3168427"/>
             <a:ext cx="885179" cy="276999"/>
           </a:xfrm>
           <a:prstGeom prst="rect">
@@ -7140,7 +6973,7 @@
         </p:nvSpPr>
         <p:spPr>
           <a:xfrm>
-            <a:off x="13753703" y="4608587"/>
+            <a:off x="14833823" y="4608587"/>
             <a:ext cx="2267287" cy="1384995"/>
           </a:xfrm>
           <a:prstGeom prst="rect">
@@ -7156,21 +6989,13 @@
           <a:p>
             <a:r>
               <a:rPr lang="en-US" altLang="zh-CN" sz="1200" dirty="0" smtClean="0"/>
-              <a:t>new Foo().getName</a:t>
-            </a:r>
-            <a:r>
-              <a:rPr lang="en-US" altLang="zh-CN" sz="1200" dirty="0" smtClean="0"/>
-              <a:t>();</a:t>
-            </a:r>
-          </a:p>
-          <a:p>
-            <a:r>
-              <a:rPr lang="zh-CN" altLang="en-US" sz="1200" dirty="0" smtClean="0"/>
-              <a:t>假</a:t>
-            </a:r>
-            <a:r>
-              <a:rPr lang="zh-CN" altLang="en-US" sz="1200" dirty="0" smtClean="0"/>
-              <a:t>设 </a:t>
+              <a:t>new Foo().getName();</a:t>
+            </a:r>
+          </a:p>
+          <a:p>
+            <a:r>
+              <a:rPr lang="zh-CN" altLang="en-US" sz="1200" dirty="0" smtClean="0"/>
+              <a:t>假设 </a:t>
             </a:r>
             <a:r>
               <a:rPr lang="en-US" altLang="zh-CN" sz="1200" dirty="0" smtClean="0"/>
@@ -7191,11 +7016,7 @@
             </a:r>
             <a:r>
               <a:rPr lang="zh-CN" altLang="en-US" sz="1200" dirty="0" smtClean="0"/>
-              <a:t>构</a:t>
-            </a:r>
-            <a:r>
-              <a:rPr lang="zh-CN" altLang="en-US" sz="1200" dirty="0" smtClean="0"/>
-              <a:t>造函数执行</a:t>
+              <a:t>构造函数执行</a:t>
             </a:r>
             <a:endParaRPr lang="en-US" altLang="zh-CN" sz="1200" dirty="0" smtClean="0"/>
           </a:p>
@@ -7238,7 +7059,7 @@
         </p:nvSpPr>
         <p:spPr>
           <a:xfrm>
-            <a:off x="13753703" y="5760715"/>
+            <a:off x="14833823" y="5760715"/>
             <a:ext cx="1728192" cy="3240360"/>
           </a:xfrm>
           <a:prstGeom prst="rect">
@@ -7286,7 +7107,7 @@
         </p:nvCxnSpPr>
         <p:spPr>
           <a:xfrm>
-            <a:off x="13753703" y="6336779"/>
+            <a:off x="14833823" y="6336779"/>
             <a:ext cx="1728192" cy="0"/>
           </a:xfrm>
           <a:prstGeom prst="line">
@@ -7321,7 +7142,7 @@
         </p:nvCxnSpPr>
         <p:spPr>
           <a:xfrm>
-            <a:off x="14617799" y="5760715"/>
+            <a:off x="15697919" y="5760715"/>
             <a:ext cx="0" cy="576064"/>
           </a:xfrm>
           <a:prstGeom prst="line">
@@ -7356,7 +7177,7 @@
         </p:nvSpPr>
         <p:spPr>
           <a:xfrm>
-            <a:off x="13753703" y="6336779"/>
+            <a:off x="14833823" y="6336779"/>
             <a:ext cx="1728192" cy="1200329"/>
           </a:xfrm>
           <a:prstGeom prst="rect">
@@ -7385,11 +7206,7 @@
             </a:r>
             <a:r>
               <a:rPr lang="zh-CN" altLang="en-US" sz="1200" dirty="0" smtClean="0"/>
-              <a:t>形参赋</a:t>
-            </a:r>
-            <a:r>
-              <a:rPr lang="zh-CN" altLang="en-US" sz="1200" dirty="0" smtClean="0"/>
-              <a:t>值</a:t>
+              <a:t>形参赋值</a:t>
             </a:r>
             <a:r>
               <a:rPr lang="en-US" altLang="zh-CN" sz="1200" dirty="0" smtClean="0"/>
@@ -7459,7 +7276,7 @@
         </p:nvSpPr>
         <p:spPr>
           <a:xfrm>
-            <a:off x="13753703" y="7560915"/>
+            <a:off x="14833823" y="7560915"/>
             <a:ext cx="2262158" cy="1261884"/>
           </a:xfrm>
           <a:prstGeom prst="rect">
@@ -7487,21 +7304,13 @@
           <a:p>
             <a:r>
               <a:rPr lang="en-US" altLang="zh-CN" sz="1200" dirty="0" smtClean="0"/>
-              <a:t>   return this</a:t>
-            </a:r>
-            <a:r>
-              <a:rPr lang="en-US" altLang="zh-CN" sz="1200" dirty="0" smtClean="0"/>
-              <a:t>;</a:t>
-            </a:r>
-          </a:p>
-          <a:p>
-            <a:r>
-              <a:rPr lang="en-US" altLang="zh-CN" sz="1200" dirty="0" smtClean="0"/>
-              <a:t> </a:t>
-            </a:r>
-            <a:r>
-              <a:rPr lang="en-US" altLang="zh-CN" sz="1200" dirty="0" smtClean="0"/>
-              <a:t> // return </a:t>
+              <a:t>   return this;</a:t>
+            </a:r>
+          </a:p>
+          <a:p>
+            <a:r>
+              <a:rPr lang="en-US" altLang="zh-CN" sz="1200" dirty="0" smtClean="0"/>
+              <a:t>  // return </a:t>
             </a:r>
             <a:r>
               <a:rPr lang="zh-CN" altLang="en-US" sz="1200" dirty="0" smtClean="0"/>
@@ -7516,23 +7325,7 @@
                   <a:srgbClr val="FF0000"/>
                 </a:solidFill>
               </a:rPr>
-              <a:t>  作</a:t>
-            </a:r>
-            <a:r>
-              <a:rPr lang="zh-CN" altLang="en-US" sz="1600" b="1" dirty="0" smtClean="0">
-                <a:solidFill>
-                  <a:srgbClr val="FF0000"/>
-                </a:solidFill>
-              </a:rPr>
-              <a:t>用</a:t>
-            </a:r>
-            <a:r>
-              <a:rPr lang="zh-CN" altLang="en-US" sz="1600" b="1" dirty="0" smtClean="0">
-                <a:solidFill>
-                  <a:srgbClr val="FF0000"/>
-                </a:solidFill>
-              </a:rPr>
-              <a:t>域不销毁</a:t>
+              <a:t>  作用域不销毁</a:t>
             </a:r>
             <a:endParaRPr lang="en-US" altLang="zh-CN" sz="1600" b="1" dirty="0" smtClean="0">
               <a:solidFill>
@@ -7694,7 +7487,7 @@
         </p:nvSpPr>
         <p:spPr>
           <a:xfrm>
-            <a:off x="15697919" y="7920955"/>
+            <a:off x="16778039" y="7920955"/>
             <a:ext cx="1368152" cy="1080120"/>
           </a:xfrm>
           <a:prstGeom prst="roundRect">
@@ -7737,7 +7530,7 @@
         </p:nvSpPr>
         <p:spPr>
           <a:xfrm>
-            <a:off x="15913943" y="7632923"/>
+            <a:off x="16994063" y="7632923"/>
             <a:ext cx="1026884" cy="276999"/>
           </a:xfrm>
           <a:prstGeom prst="rect">
@@ -7774,7 +7567,7 @@
         </p:nvCxnSpPr>
         <p:spPr>
           <a:xfrm>
-            <a:off x="15697919" y="8713043"/>
+            <a:off x="16778039" y="8713043"/>
             <a:ext cx="1368152" cy="0"/>
           </a:xfrm>
           <a:prstGeom prst="line">
@@ -7804,7 +7597,7 @@
         </p:nvSpPr>
         <p:spPr>
           <a:xfrm>
-            <a:off x="15985951" y="8713043"/>
+            <a:off x="17066071" y="8713043"/>
             <a:ext cx="836319" cy="276999"/>
           </a:xfrm>
           <a:prstGeom prst="rect">
@@ -7837,13 +7630,13 @@
         </p:nvCxnSpPr>
         <p:spPr>
           <a:xfrm flipH="1" flipV="1">
-            <a:off x="8497119" y="2592363"/>
-            <a:ext cx="8325151" cy="6259180"/>
+            <a:off x="9217199" y="2592363"/>
+            <a:ext cx="8685191" cy="6259180"/>
           </a:xfrm>
           <a:prstGeom prst="bentConnector4">
             <a:avLst>
-              <a:gd name="adj1" fmla="val -5492"/>
-              <a:gd name="adj2" fmla="val -17272"/>
+              <a:gd name="adj1" fmla="val -6392"/>
+              <a:gd name="adj2" fmla="val -21765"/>
             </a:avLst>
           </a:prstGeom>
           <a:ln>
@@ -7884,7 +7677,7 @@
         </p:nvSpPr>
         <p:spPr>
           <a:xfrm>
-            <a:off x="11449447" y="7056859"/>
+            <a:off x="12529567" y="7056859"/>
             <a:ext cx="1728192" cy="2448272"/>
           </a:xfrm>
           <a:prstGeom prst="rect">
@@ -7932,7 +7725,7 @@
         </p:nvCxnSpPr>
         <p:spPr>
           <a:xfrm>
-            <a:off x="11449447" y="7632923"/>
+            <a:off x="12529567" y="7632923"/>
             <a:ext cx="1728192" cy="0"/>
           </a:xfrm>
           <a:prstGeom prst="line">
@@ -7962,7 +7755,7 @@
         </p:nvCxnSpPr>
         <p:spPr>
           <a:xfrm>
-            <a:off x="12313543" y="7056859"/>
+            <a:off x="13393663" y="7056859"/>
             <a:ext cx="0" cy="576064"/>
           </a:xfrm>
           <a:prstGeom prst="line">
@@ -7992,7 +7785,7 @@
         </p:nvSpPr>
         <p:spPr>
           <a:xfrm>
-            <a:off x="11449447" y="7632923"/>
+            <a:off x="12529567" y="7632923"/>
             <a:ext cx="1728192" cy="646331"/>
           </a:xfrm>
           <a:prstGeom prst="rect">
@@ -8016,11 +7809,7 @@
             </a:r>
             <a:r>
               <a:rPr lang="zh-CN" altLang="en-US" sz="1200" dirty="0" smtClean="0"/>
-              <a:t>形参赋</a:t>
-            </a:r>
-            <a:r>
-              <a:rPr lang="zh-CN" altLang="en-US" sz="1200" dirty="0" smtClean="0"/>
-              <a:t>值</a:t>
+              <a:t>形参赋值</a:t>
             </a:r>
             <a:r>
               <a:rPr lang="en-US" altLang="zh-CN" sz="1200" dirty="0" smtClean="0"/>
@@ -8058,7 +7847,7 @@
         </p:nvSpPr>
         <p:spPr>
           <a:xfrm>
-            <a:off x="11737479" y="8353003"/>
+            <a:off x="12817599" y="8353003"/>
             <a:ext cx="1465466" cy="1015663"/>
           </a:xfrm>
           <a:prstGeom prst="rect">
@@ -8135,7 +7924,7 @@
         </p:nvSpPr>
         <p:spPr>
           <a:xfrm>
-            <a:off x="11449447" y="6768827"/>
+            <a:off x="12529567" y="6768827"/>
             <a:ext cx="1725152" cy="276999"/>
           </a:xfrm>
           <a:prstGeom prst="rect">
@@ -8169,7 +7958,7 @@
         </p:nvSpPr>
         <p:spPr>
           <a:xfrm>
-            <a:off x="17426111" y="576139"/>
+            <a:off x="18506231" y="576139"/>
             <a:ext cx="2310889" cy="1015663"/>
           </a:xfrm>
           <a:prstGeom prst="rect">
@@ -8185,11 +7974,7 @@
           <a:p>
             <a:r>
               <a:rPr lang="en-US" altLang="zh-CN" sz="1200" dirty="0" smtClean="0"/>
-              <a:t>new new Foo().getName</a:t>
-            </a:r>
-            <a:r>
-              <a:rPr lang="en-US" altLang="zh-CN" sz="1200" dirty="0" smtClean="0"/>
-              <a:t>();</a:t>
+              <a:t>new new Foo().getName();</a:t>
             </a:r>
           </a:p>
           <a:p>
@@ -8233,7 +8018,7 @@
         </p:nvSpPr>
         <p:spPr>
           <a:xfrm>
-            <a:off x="17642135" y="1296219"/>
+            <a:off x="18722255" y="1296219"/>
             <a:ext cx="1728192" cy="3240360"/>
           </a:xfrm>
           <a:prstGeom prst="rect">
@@ -8281,7 +8066,7 @@
         </p:nvCxnSpPr>
         <p:spPr>
           <a:xfrm>
-            <a:off x="17642135" y="1872283"/>
+            <a:off x="18722255" y="1872283"/>
             <a:ext cx="1728192" cy="0"/>
           </a:xfrm>
           <a:prstGeom prst="line">
@@ -8316,7 +8101,7 @@
         </p:nvCxnSpPr>
         <p:spPr>
           <a:xfrm>
-            <a:off x="18506231" y="1296219"/>
+            <a:off x="19586351" y="1296219"/>
             <a:ext cx="0" cy="576064"/>
           </a:xfrm>
           <a:prstGeom prst="line">
@@ -8351,7 +8136,7 @@
         </p:nvSpPr>
         <p:spPr>
           <a:xfrm>
-            <a:off x="17642135" y="1872283"/>
+            <a:off x="18722255" y="1872283"/>
             <a:ext cx="1728192" cy="1200329"/>
           </a:xfrm>
           <a:prstGeom prst="rect">
@@ -8380,11 +8165,7 @@
             </a:r>
             <a:r>
               <a:rPr lang="zh-CN" altLang="en-US" sz="1200" dirty="0" smtClean="0"/>
-              <a:t>形参赋</a:t>
-            </a:r>
-            <a:r>
-              <a:rPr lang="zh-CN" altLang="en-US" sz="1200" dirty="0" smtClean="0"/>
-              <a:t>值</a:t>
+              <a:t>形参赋值</a:t>
             </a:r>
             <a:r>
               <a:rPr lang="en-US" altLang="zh-CN" sz="1200" dirty="0" smtClean="0"/>
@@ -8454,7 +8235,7 @@
         </p:nvSpPr>
         <p:spPr>
           <a:xfrm>
-            <a:off x="17642135" y="3096419"/>
+            <a:off x="18722255" y="3096419"/>
             <a:ext cx="2262158" cy="1261884"/>
           </a:xfrm>
           <a:prstGeom prst="rect">
@@ -8482,21 +8263,13 @@
           <a:p>
             <a:r>
               <a:rPr lang="en-US" altLang="zh-CN" sz="1200" dirty="0" smtClean="0"/>
-              <a:t>   return this</a:t>
-            </a:r>
-            <a:r>
-              <a:rPr lang="en-US" altLang="zh-CN" sz="1200" dirty="0" smtClean="0"/>
-              <a:t>;</a:t>
-            </a:r>
-          </a:p>
-          <a:p>
-            <a:r>
-              <a:rPr lang="en-US" altLang="zh-CN" sz="1200" dirty="0" smtClean="0"/>
-              <a:t> </a:t>
-            </a:r>
-            <a:r>
-              <a:rPr lang="en-US" altLang="zh-CN" sz="1200" dirty="0" smtClean="0"/>
-              <a:t> // return </a:t>
+              <a:t>   return this;</a:t>
+            </a:r>
+          </a:p>
+          <a:p>
+            <a:r>
+              <a:rPr lang="en-US" altLang="zh-CN" sz="1200" dirty="0" smtClean="0"/>
+              <a:t>  // return </a:t>
             </a:r>
             <a:r>
               <a:rPr lang="zh-CN" altLang="en-US" sz="1200" dirty="0" smtClean="0"/>
@@ -8511,23 +8284,7 @@
                   <a:srgbClr val="FF0000"/>
                 </a:solidFill>
               </a:rPr>
-              <a:t>  作</a:t>
-            </a:r>
-            <a:r>
-              <a:rPr lang="zh-CN" altLang="en-US" sz="1600" b="1" dirty="0" smtClean="0">
-                <a:solidFill>
-                  <a:srgbClr val="FF0000"/>
-                </a:solidFill>
-              </a:rPr>
-              <a:t>用</a:t>
-            </a:r>
-            <a:r>
-              <a:rPr lang="zh-CN" altLang="en-US" sz="1600" b="1" dirty="0" smtClean="0">
-                <a:solidFill>
-                  <a:srgbClr val="FF0000"/>
-                </a:solidFill>
-              </a:rPr>
-              <a:t>域不销毁</a:t>
+              <a:t>  作用域不销毁</a:t>
             </a:r>
             <a:endParaRPr lang="en-US" altLang="zh-CN" sz="1600" b="1" dirty="0" smtClean="0">
               <a:solidFill>
@@ -8551,7 +8308,7 @@
         </p:nvSpPr>
         <p:spPr>
           <a:xfrm>
-            <a:off x="19586351" y="3456459"/>
+            <a:off x="20666471" y="3456459"/>
             <a:ext cx="1368152" cy="1080120"/>
           </a:xfrm>
           <a:prstGeom prst="roundRect">
@@ -8594,7 +8351,7 @@
         </p:nvSpPr>
         <p:spPr>
           <a:xfrm>
-            <a:off x="19802375" y="3168427"/>
+            <a:off x="20882495" y="3168427"/>
             <a:ext cx="1026884" cy="276999"/>
           </a:xfrm>
           <a:prstGeom prst="rect">
@@ -8631,7 +8388,7 @@
         </p:nvCxnSpPr>
         <p:spPr>
           <a:xfrm>
-            <a:off x="19586351" y="4248547"/>
+            <a:off x="20666471" y="4248547"/>
             <a:ext cx="1368152" cy="0"/>
           </a:xfrm>
           <a:prstGeom prst="line">
@@ -8661,7 +8418,7 @@
         </p:nvSpPr>
         <p:spPr>
           <a:xfrm>
-            <a:off x="19874383" y="4248547"/>
+            <a:off x="20954503" y="4248547"/>
             <a:ext cx="836319" cy="276999"/>
           </a:xfrm>
           <a:prstGeom prst="rect">
@@ -8832,13 +8589,13 @@
         </p:nvCxnSpPr>
         <p:spPr>
           <a:xfrm flipH="1" flipV="1">
-            <a:off x="8517439" y="1512243"/>
-            <a:ext cx="12193263" cy="2874804"/>
+            <a:off x="9237519" y="1512243"/>
+            <a:ext cx="12553303" cy="2874804"/>
           </a:xfrm>
           <a:prstGeom prst="bentConnector4">
             <a:avLst>
-              <a:gd name="adj1" fmla="val -3750"/>
-              <a:gd name="adj2" fmla="val 144619"/>
+              <a:gd name="adj1" fmla="val -1821"/>
+              <a:gd name="adj2" fmla="val 139381"/>
             </a:avLst>
           </a:prstGeom>
           <a:ln>
@@ -8879,7 +8636,7 @@
         </p:nvSpPr>
         <p:spPr>
           <a:xfrm>
-            <a:off x="17642135" y="5328667"/>
+            <a:off x="18722255" y="5328667"/>
             <a:ext cx="1728192" cy="3240360"/>
           </a:xfrm>
           <a:prstGeom prst="rect">
@@ -8927,7 +8684,7 @@
         </p:nvCxnSpPr>
         <p:spPr>
           <a:xfrm>
-            <a:off x="17642135" y="5904731"/>
+            <a:off x="18722255" y="5904731"/>
             <a:ext cx="1728192" cy="0"/>
           </a:xfrm>
           <a:prstGeom prst="line">
@@ -8962,7 +8719,7 @@
         </p:nvCxnSpPr>
         <p:spPr>
           <a:xfrm>
-            <a:off x="18506231" y="5328667"/>
+            <a:off x="19586351" y="5328667"/>
             <a:ext cx="0" cy="576064"/>
           </a:xfrm>
           <a:prstGeom prst="line">
@@ -8997,7 +8754,7 @@
         </p:nvSpPr>
         <p:spPr>
           <a:xfrm>
-            <a:off x="17642135" y="5904731"/>
+            <a:off x="18722255" y="5904731"/>
             <a:ext cx="1728192" cy="1200329"/>
           </a:xfrm>
           <a:prstGeom prst="rect">
@@ -9026,11 +8783,7 @@
             </a:r>
             <a:r>
               <a:rPr lang="zh-CN" altLang="en-US" sz="1200" dirty="0" smtClean="0"/>
-              <a:t>形参赋</a:t>
-            </a:r>
-            <a:r>
-              <a:rPr lang="zh-CN" altLang="en-US" sz="1200" dirty="0" smtClean="0"/>
-              <a:t>值</a:t>
+              <a:t>形参赋值</a:t>
             </a:r>
             <a:r>
               <a:rPr lang="en-US" altLang="zh-CN" sz="1200" dirty="0" smtClean="0"/>
@@ -9100,7 +8853,7 @@
         </p:nvSpPr>
         <p:spPr>
           <a:xfrm>
-            <a:off x="17642135" y="7128867"/>
+            <a:off x="18722255" y="7128867"/>
             <a:ext cx="2262158" cy="954107"/>
           </a:xfrm>
           <a:prstGeom prst="rect">
@@ -9116,11 +8869,7 @@
           <a:p>
             <a:r>
               <a:rPr lang="en-US" altLang="zh-CN" sz="1200" dirty="0" smtClean="0"/>
-              <a:t>  </a:t>
-            </a:r>
-            <a:r>
-              <a:rPr lang="en-US" altLang="zh-CN" sz="1200" dirty="0" smtClean="0"/>
-              <a:t>console.log(3)</a:t>
+              <a:t>  console.log(3)</a:t>
             </a:r>
           </a:p>
           <a:p>
@@ -9148,6 +8897,16 @@
               </a:rPr>
               <a:t>)</a:t>
             </a:r>
+          </a:p>
+          <a:p>
+            <a:r>
+              <a:rPr lang="zh-CN" altLang="en-US" sz="1600" b="1" dirty="0" smtClean="0">
+                <a:solidFill>
+                  <a:srgbClr val="FF0000"/>
+                </a:solidFill>
+              </a:rPr>
+              <a:t>作用域不销毁</a:t>
+            </a:r>
             <a:endParaRPr lang="en-US" altLang="zh-CN" sz="1600" b="1" dirty="0" smtClean="0">
               <a:solidFill>
                 <a:srgbClr val="FF0000"/>
@@ -9156,37 +8915,6 @@
           </a:p>
           <a:p>
             <a:r>
-              <a:rPr lang="zh-CN" altLang="en-US" sz="1600" b="1" dirty="0" smtClean="0">
-                <a:solidFill>
-                  <a:srgbClr val="FF0000"/>
-                </a:solidFill>
-              </a:rPr>
-              <a:t>作</a:t>
-            </a:r>
-            <a:r>
-              <a:rPr lang="zh-CN" altLang="en-US" sz="1600" b="1" dirty="0" smtClean="0">
-                <a:solidFill>
-                  <a:srgbClr val="FF0000"/>
-                </a:solidFill>
-              </a:rPr>
-              <a:t>用</a:t>
-            </a:r>
-            <a:r>
-              <a:rPr lang="zh-CN" altLang="en-US" sz="1600" b="1" dirty="0" smtClean="0">
-                <a:solidFill>
-                  <a:srgbClr val="FF0000"/>
-                </a:solidFill>
-              </a:rPr>
-              <a:t>域不销毁</a:t>
-            </a:r>
-            <a:endParaRPr lang="en-US" altLang="zh-CN" sz="1600" b="1" dirty="0" smtClean="0">
-              <a:solidFill>
-                <a:srgbClr val="FF0000"/>
-              </a:solidFill>
-            </a:endParaRPr>
-          </a:p>
-          <a:p>
-            <a:r>
               <a:rPr lang="en-US" altLang="zh-CN" sz="1200" dirty="0" smtClean="0"/>
               <a:t>	</a:t>
             </a:r>
@@ -9201,7 +8929,7 @@
         </p:nvSpPr>
         <p:spPr>
           <a:xfrm>
-            <a:off x="19586351" y="7488907"/>
+            <a:off x="20666471" y="7488907"/>
             <a:ext cx="1368152" cy="1080120"/>
           </a:xfrm>
           <a:prstGeom prst="roundRect">
@@ -9244,7 +8972,7 @@
         </p:nvSpPr>
         <p:spPr>
           <a:xfrm>
-            <a:off x="19802375" y="7200875"/>
+            <a:off x="20882495" y="7200875"/>
             <a:ext cx="885179" cy="276999"/>
           </a:xfrm>
           <a:prstGeom prst="rect">
@@ -9278,7 +9006,7 @@
         </p:nvCxnSpPr>
         <p:spPr>
           <a:xfrm>
-            <a:off x="19586351" y="8280995"/>
+            <a:off x="20666471" y="8280995"/>
             <a:ext cx="1368152" cy="0"/>
           </a:xfrm>
           <a:prstGeom prst="line">
@@ -9308,7 +9036,7 @@
         </p:nvSpPr>
         <p:spPr>
           <a:xfrm>
-            <a:off x="19874383" y="8280995"/>
+            <a:off x="20954503" y="8280995"/>
             <a:ext cx="836319" cy="276999"/>
           </a:xfrm>
           <a:prstGeom prst="rect">
@@ -9338,7 +9066,7 @@
         </p:nvSpPr>
         <p:spPr>
           <a:xfrm>
-            <a:off x="17642135" y="4896619"/>
+            <a:off x="18722255" y="4896619"/>
             <a:ext cx="1812547" cy="276999"/>
           </a:xfrm>
           <a:prstGeom prst="rect">
@@ -9354,19 +9082,11 @@
           <a:p>
             <a:r>
               <a:rPr lang="en-US" altLang="zh-CN" sz="1200" dirty="0" smtClean="0"/>
-              <a:t>new AF3</a:t>
-            </a:r>
-            <a:r>
-              <a:rPr lang="en-US" altLang="zh-CN" sz="1200" dirty="0" smtClean="0"/>
-              <a:t>()  </a:t>
-            </a:r>
-            <a:r>
-              <a:rPr lang="zh-CN" altLang="en-US" sz="1200" dirty="0" smtClean="0"/>
-              <a:t>构造函</a:t>
-            </a:r>
-            <a:r>
-              <a:rPr lang="zh-CN" altLang="en-US" sz="1200" dirty="0" smtClean="0"/>
-              <a:t>数执行</a:t>
+              <a:t>new AF3()  </a:t>
+            </a:r>
+            <a:r>
+              <a:rPr lang="zh-CN" altLang="en-US" sz="1200" dirty="0" smtClean="0"/>
+              <a:t>构造函数执行</a:t>
             </a:r>
             <a:endParaRPr lang="zh-CN" altLang="en-US" sz="1200" dirty="0"/>
           </a:p>
@@ -9380,7 +9100,7 @@
         </p:nvSpPr>
         <p:spPr>
           <a:xfrm>
-            <a:off x="7489007" y="3816499"/>
+            <a:off x="7633023" y="3816499"/>
             <a:ext cx="914400" cy="914400"/>
           </a:xfrm>
           <a:prstGeom prst="ellipse">
@@ -9440,7 +9160,7 @@
         </p:nvSpPr>
         <p:spPr>
           <a:xfrm>
-            <a:off x="6048847" y="4680595"/>
+            <a:off x="5976839" y="4680595"/>
             <a:ext cx="914400" cy="914400"/>
           </a:xfrm>
           <a:prstGeom prst="ellipse">
@@ -9560,7 +9280,7 @@
         </p:nvCxnSpPr>
         <p:spPr>
           <a:xfrm flipH="1">
-            <a:off x="13105631" y="5688707"/>
+            <a:off x="14185751" y="5688707"/>
             <a:ext cx="792088" cy="1152128"/>
           </a:xfrm>
           <a:prstGeom prst="straightConnector1">

--- a/2、正式课/2、第二周/1、第一天/阿里的面试题最新.pptx
+++ b/2、正式课/2、第二周/1、第一天/阿里的面试题最新.pptx
@@ -289,7 +289,7 @@
             <a:fld id="{530820CF-B880-4189-942D-D702A7CBA730}" type="datetimeFigureOut">
               <a:rPr lang="zh-CN" altLang="en-US" smtClean="0"/>
               <a:pPr/>
-              <a:t>2019/11/26</a:t>
+              <a:t>2020/1/5</a:t>
             </a:fld>
             <a:endParaRPr lang="zh-CN" altLang="en-US"/>
           </a:p>
@@ -456,7 +456,7 @@
             <a:fld id="{530820CF-B880-4189-942D-D702A7CBA730}" type="datetimeFigureOut">
               <a:rPr lang="zh-CN" altLang="en-US" smtClean="0"/>
               <a:pPr/>
-              <a:t>2019/11/26</a:t>
+              <a:t>2020/1/5</a:t>
             </a:fld>
             <a:endParaRPr lang="zh-CN" altLang="en-US"/>
           </a:p>
@@ -633,7 +633,7 @@
             <a:fld id="{530820CF-B880-4189-942D-D702A7CBA730}" type="datetimeFigureOut">
               <a:rPr lang="zh-CN" altLang="en-US" smtClean="0"/>
               <a:pPr/>
-              <a:t>2019/11/26</a:t>
+              <a:t>2020/1/5</a:t>
             </a:fld>
             <a:endParaRPr lang="zh-CN" altLang="en-US"/>
           </a:p>
@@ -800,7 +800,7 @@
             <a:fld id="{530820CF-B880-4189-942D-D702A7CBA730}" type="datetimeFigureOut">
               <a:rPr lang="zh-CN" altLang="en-US" smtClean="0"/>
               <a:pPr/>
-              <a:t>2019/11/26</a:t>
+              <a:t>2020/1/5</a:t>
             </a:fld>
             <a:endParaRPr lang="zh-CN" altLang="en-US"/>
           </a:p>
@@ -1043,7 +1043,7 @@
             <a:fld id="{530820CF-B880-4189-942D-D702A7CBA730}" type="datetimeFigureOut">
               <a:rPr lang="zh-CN" altLang="en-US" smtClean="0"/>
               <a:pPr/>
-              <a:t>2019/11/26</a:t>
+              <a:t>2020/1/5</a:t>
             </a:fld>
             <a:endParaRPr lang="zh-CN" altLang="en-US"/>
           </a:p>
@@ -1328,7 +1328,7 @@
             <a:fld id="{530820CF-B880-4189-942D-D702A7CBA730}" type="datetimeFigureOut">
               <a:rPr lang="zh-CN" altLang="en-US" smtClean="0"/>
               <a:pPr/>
-              <a:t>2019/11/26</a:t>
+              <a:t>2020/1/5</a:t>
             </a:fld>
             <a:endParaRPr lang="zh-CN" altLang="en-US"/>
           </a:p>
@@ -1747,7 +1747,7 @@
             <a:fld id="{530820CF-B880-4189-942D-D702A7CBA730}" type="datetimeFigureOut">
               <a:rPr lang="zh-CN" altLang="en-US" smtClean="0"/>
               <a:pPr/>
-              <a:t>2019/11/26</a:t>
+              <a:t>2020/1/5</a:t>
             </a:fld>
             <a:endParaRPr lang="zh-CN" altLang="en-US"/>
           </a:p>
@@ -1862,7 +1862,7 @@
             <a:fld id="{530820CF-B880-4189-942D-D702A7CBA730}" type="datetimeFigureOut">
               <a:rPr lang="zh-CN" altLang="en-US" smtClean="0"/>
               <a:pPr/>
-              <a:t>2019/11/26</a:t>
+              <a:t>2020/1/5</a:t>
             </a:fld>
             <a:endParaRPr lang="zh-CN" altLang="en-US"/>
           </a:p>
@@ -1954,7 +1954,7 @@
             <a:fld id="{530820CF-B880-4189-942D-D702A7CBA730}" type="datetimeFigureOut">
               <a:rPr lang="zh-CN" altLang="en-US" smtClean="0"/>
               <a:pPr/>
-              <a:t>2019/11/26</a:t>
+              <a:t>2020/1/5</a:t>
             </a:fld>
             <a:endParaRPr lang="zh-CN" altLang="en-US"/>
           </a:p>
@@ -2228,7 +2228,7 @@
             <a:fld id="{530820CF-B880-4189-942D-D702A7CBA730}" type="datetimeFigureOut">
               <a:rPr lang="zh-CN" altLang="en-US" smtClean="0"/>
               <a:pPr/>
-              <a:t>2019/11/26</a:t>
+              <a:t>2020/1/5</a:t>
             </a:fld>
             <a:endParaRPr lang="zh-CN" altLang="en-US"/>
           </a:p>
@@ -2478,7 +2478,7 @@
             <a:fld id="{530820CF-B880-4189-942D-D702A7CBA730}" type="datetimeFigureOut">
               <a:rPr lang="zh-CN" altLang="en-US" smtClean="0"/>
               <a:pPr/>
-              <a:t>2019/11/26</a:t>
+              <a:t>2020/1/5</a:t>
             </a:fld>
             <a:endParaRPr lang="zh-CN" altLang="en-US"/>
           </a:p>
@@ -2688,7 +2688,7 @@
             <a:fld id="{530820CF-B880-4189-942D-D702A7CBA730}" type="datetimeFigureOut">
               <a:rPr lang="zh-CN" altLang="en-US" smtClean="0"/>
               <a:pPr/>
-              <a:t>2019/11/26</a:t>
+              <a:t>2020/1/5</a:t>
             </a:fld>
             <a:endParaRPr lang="zh-CN" altLang="en-US"/>
           </a:p>
@@ -5794,15 +5794,7 @@
           <a:p>
             <a:r>
               <a:rPr lang="en-US" altLang="zh-CN" sz="1200" dirty="0" smtClean="0"/>
-              <a:t> // </a:t>
-            </a:r>
-            <a:r>
-              <a:rPr lang="en-US" altLang="zh-CN" sz="1200" dirty="0" smtClean="0"/>
-              <a:t>return </a:t>
-            </a:r>
-            <a:r>
-              <a:rPr lang="en-US" altLang="zh-CN" sz="1200" dirty="0" smtClean="0"/>
-              <a:t>window</a:t>
+              <a:t> // return window</a:t>
             </a:r>
           </a:p>
           <a:p>
@@ -8594,7 +8586,7 @@
           </a:xfrm>
           <a:prstGeom prst="bentConnector4">
             <a:avLst>
-              <a:gd name="adj1" fmla="val -1821"/>
+              <a:gd name="adj1" fmla="val -3521"/>
               <a:gd name="adj2" fmla="val 139381"/>
             </a:avLst>
           </a:prstGeom>
